--- a/Documentation/10-_22.02._._.pptx
+++ b/Documentation/10-_22.02._._.pptx
@@ -6657,7 +6657,7 @@
         <p:spPr>
           <a:xfrm>
             <a:off x="767408" y="2204864"/>
-            <a:ext cx="9793088" cy="1384995"/>
+            <a:ext cx="9793088" cy="1318181"/>
           </a:xfrm>
           <a:prstGeom prst="rect">
             <a:avLst/>
@@ -6686,14 +6686,14 @@
               <a:t>Демонстрацию работы данной программы можно посмотреть по данной ссылке: </a:t>
             </a:r>
             <a:r>
-              <a:rPr lang="en-US" sz="2800" dirty="0">
+              <a:rPr lang="en-US" sz="2800">
                 <a:solidFill>
                   <a:srgbClr val="001949"/>
                 </a:solidFill>
                 <a:latin typeface="+mn-lt"/>
                 <a:cs typeface="Times New Roman" panose="02020603050405020304" pitchFamily="18" charset="0"/>
               </a:rPr>
-              <a:t>https://youtu.be/bZWagEZjbP0</a:t>
+              <a:t>https://youtu.be/m4BwDAUP7os</a:t>
             </a:r>
             <a:endParaRPr lang="ru-RU" sz="2800" dirty="0">
               <a:solidFill>

--- a/Documentation/10-_22.02._._.pptx
+++ b/Documentation/10-_22.02._._.pptx
@@ -5,7 +5,7 @@
     <p:sldMasterId id="2147483648" r:id="rId1"/>
   </p:sldMasterIdLst>
   <p:notesMasterIdLst>
-    <p:notesMasterId r:id="rId11"/>
+    <p:notesMasterId r:id="rId12"/>
   </p:notesMasterIdLst>
   <p:sldIdLst>
     <p:sldId id="258" r:id="rId2"/>
@@ -17,6 +17,7 @@
     <p:sldId id="322" r:id="rId8"/>
     <p:sldId id="321" r:id="rId9"/>
     <p:sldId id="320" r:id="rId10"/>
+    <p:sldId id="326" r:id="rId11"/>
   </p:sldIdLst>
   <p:sldSz cx="12192000" cy="6858000"/>
   <p:notesSz cx="6858000" cy="9144000"/>
@@ -258,7 +259,7 @@
           <a:p>
             <a:fld id="{3AB3671F-AA64-4FFB-BBDA-457A3DCCAFB9}" type="datetimeFigureOut">
               <a:rPr lang="ru-RU" smtClean="0"/>
-              <a:t>25.02.2022</a:t>
+              <a:t>28.02.2022</a:t>
             </a:fld>
             <a:endParaRPr lang="ru-RU"/>
           </a:p>
@@ -651,6 +652,94 @@
 </p:notes>
 </file>
 
+<file path=ppt/notesSlides/notesSlide10.xml><?xml version="1.0" encoding="utf-8"?>
+<p:notes xmlns:a="http://schemas.openxmlformats.org/drawingml/2006/main" xmlns:r="http://schemas.openxmlformats.org/officeDocument/2006/relationships" xmlns:p="http://schemas.openxmlformats.org/presentationml/2006/main">
+  <p:cSld>
+    <p:spTree>
+      <p:nvGrpSpPr>
+        <p:cNvPr id="1" name=""/>
+        <p:cNvGrpSpPr/>
+        <p:nvPr/>
+      </p:nvGrpSpPr>
+      <p:grpSpPr>
+        <a:xfrm>
+          <a:off x="0" y="0"/>
+          <a:ext cx="0" cy="0"/>
+          <a:chOff x="0" y="0"/>
+          <a:chExt cx="0" cy="0"/>
+        </a:xfrm>
+      </p:grpSpPr>
+      <p:sp>
+        <p:nvSpPr>
+          <p:cNvPr id="2" name="Образ слайда 1"/>
+          <p:cNvSpPr>
+            <a:spLocks noGrp="1" noRot="1" noChangeAspect="1"/>
+          </p:cNvSpPr>
+          <p:nvPr>
+            <p:ph type="sldImg"/>
+          </p:nvPr>
+        </p:nvSpPr>
+        <p:spPr/>
+      </p:sp>
+      <p:sp>
+        <p:nvSpPr>
+          <p:cNvPr id="3" name="Заметки 2"/>
+          <p:cNvSpPr>
+            <a:spLocks noGrp="1"/>
+          </p:cNvSpPr>
+          <p:nvPr>
+            <p:ph type="body" idx="1"/>
+          </p:nvPr>
+        </p:nvSpPr>
+        <p:spPr/>
+        <p:txBody>
+          <a:bodyPr/>
+          <a:lstStyle/>
+          <a:p>
+            <a:pPr marL="342900" indent="-342900">
+              <a:buFont typeface="Wingdings" panose="05000000000000000000" pitchFamily="2" charset="2"/>
+              <a:buChar char="Ø"/>
+            </a:pPr>
+            <a:endParaRPr lang="ru-RU" dirty="0"/>
+          </a:p>
+        </p:txBody>
+      </p:sp>
+      <p:sp>
+        <p:nvSpPr>
+          <p:cNvPr id="4" name="Номер слайда 3"/>
+          <p:cNvSpPr>
+            <a:spLocks noGrp="1"/>
+          </p:cNvSpPr>
+          <p:nvPr>
+            <p:ph type="sldNum" sz="quarter" idx="10"/>
+          </p:nvPr>
+        </p:nvSpPr>
+        <p:spPr/>
+        <p:txBody>
+          <a:bodyPr/>
+          <a:lstStyle/>
+          <a:p>
+            <a:fld id="{2467F036-0B2F-4535-9F51-AE7E1FFA45F6}" type="slidenum">
+              <a:rPr lang="ru-RU" smtClean="0"/>
+              <a:t>10</a:t>
+            </a:fld>
+            <a:endParaRPr lang="ru-RU"/>
+          </a:p>
+        </p:txBody>
+      </p:sp>
+    </p:spTree>
+    <p:extLst>
+      <p:ext uri="{BB962C8B-B14F-4D97-AF65-F5344CB8AC3E}">
+        <p14:creationId xmlns:p14="http://schemas.microsoft.com/office/powerpoint/2010/main" val="929867596"/>
+      </p:ext>
+    </p:extLst>
+  </p:cSld>
+  <p:clrMapOvr>
+    <a:masterClrMapping/>
+  </p:clrMapOvr>
+</p:notes>
+</file>
+
 <file path=ppt/notesSlides/notesSlide2.xml><?xml version="1.0" encoding="utf-8"?>
 <p:notes xmlns:a="http://schemas.openxmlformats.org/drawingml/2006/main" xmlns:r="http://schemas.openxmlformats.org/officeDocument/2006/relationships" xmlns:p="http://schemas.openxmlformats.org/presentationml/2006/main">
   <p:cSld>
@@ -1541,7 +1630,7 @@
             </a:pPr>
             <a:fld id="{E9A40412-952D-4355-AEE1-5084A13E6343}" type="datetime1">
               <a:rPr lang="ru-RU" smtClean="0"/>
-              <a:t>25.02.2022</a:t>
+              <a:t>28.02.2022</a:t>
             </a:fld>
             <a:endParaRPr lang="ru-RU"/>
           </a:p>
@@ -1733,7 +1822,7 @@
             </a:pPr>
             <a:fld id="{D1A57588-AA29-48C1-A0D3-23CDC8CEF95B}" type="datetime1">
               <a:rPr lang="ru-RU" smtClean="0"/>
-              <a:t>25.02.2022</a:t>
+              <a:t>28.02.2022</a:t>
             </a:fld>
             <a:endParaRPr lang="ru-RU"/>
           </a:p>
@@ -1935,7 +2024,7 @@
             </a:pPr>
             <a:fld id="{B5D72509-6833-4348-BB60-FAACCC152FFC}" type="datetime1">
               <a:rPr lang="ru-RU" smtClean="0"/>
-              <a:t>25.02.2022</a:t>
+              <a:t>28.02.2022</a:t>
             </a:fld>
             <a:endParaRPr lang="ru-RU"/>
           </a:p>
@@ -2127,7 +2216,7 @@
             </a:pPr>
             <a:fld id="{92480D4C-61BD-483D-86D6-B62CDAB9BEDA}" type="datetime1">
               <a:rPr lang="ru-RU" smtClean="0"/>
-              <a:t>25.02.2022</a:t>
+              <a:t>28.02.2022</a:t>
             </a:fld>
             <a:endParaRPr lang="ru-RU"/>
           </a:p>
@@ -2396,7 +2485,7 @@
             </a:pPr>
             <a:fld id="{A751F13C-6A68-445F-9F3B-D8B69AC9FD7E}" type="datetime1">
               <a:rPr lang="ru-RU" smtClean="0"/>
-              <a:t>25.02.2022</a:t>
+              <a:t>28.02.2022</a:t>
             </a:fld>
             <a:endParaRPr lang="ru-RU"/>
           </a:p>
@@ -2705,7 +2794,7 @@
             </a:pPr>
             <a:fld id="{A5532E65-0D75-47CF-9E50-79D7F59885FD}" type="datetime1">
               <a:rPr lang="ru-RU" smtClean="0"/>
-              <a:t>25.02.2022</a:t>
+              <a:t>28.02.2022</a:t>
             </a:fld>
             <a:endParaRPr lang="ru-RU"/>
           </a:p>
@@ -3148,7 +3237,7 @@
             </a:pPr>
             <a:fld id="{911777F0-F331-4210-A598-9C010F52D098}" type="datetime1">
               <a:rPr lang="ru-RU" smtClean="0"/>
-              <a:t>25.02.2022</a:t>
+              <a:t>28.02.2022</a:t>
             </a:fld>
             <a:endParaRPr lang="ru-RU"/>
           </a:p>
@@ -3289,7 +3378,7 @@
             </a:pPr>
             <a:fld id="{1AC8AF8F-D2D8-4C77-9AB7-FFD30F24FEFA}" type="datetime1">
               <a:rPr lang="ru-RU" smtClean="0"/>
-              <a:t>25.02.2022</a:t>
+              <a:t>28.02.2022</a:t>
             </a:fld>
             <a:endParaRPr lang="ru-RU"/>
           </a:p>
@@ -3408,7 +3497,7 @@
             </a:pPr>
             <a:fld id="{9B4BEA78-D3AB-43BC-BBE9-CA6B0150F642}" type="datetime1">
               <a:rPr lang="ru-RU" smtClean="0"/>
-              <a:t>25.02.2022</a:t>
+              <a:t>28.02.2022</a:t>
             </a:fld>
             <a:endParaRPr lang="ru-RU"/>
           </a:p>
@@ -3707,7 +3796,7 @@
             </a:pPr>
             <a:fld id="{8B6CA31B-DE7C-454D-A29A-F2F44B92C02C}" type="datetime1">
               <a:rPr lang="ru-RU" smtClean="0"/>
-              <a:t>25.02.2022</a:t>
+              <a:t>28.02.2022</a:t>
             </a:fld>
             <a:endParaRPr lang="ru-RU"/>
           </a:p>
@@ -3989,7 +4078,7 @@
             </a:pPr>
             <a:fld id="{AE3D309E-A734-454B-96EA-1FFF9C6D640B}" type="datetime1">
               <a:rPr lang="ru-RU" smtClean="0"/>
-              <a:t>25.02.2022</a:t>
+              <a:t>28.02.2022</a:t>
             </a:fld>
             <a:endParaRPr lang="ru-RU"/>
           </a:p>
@@ -4282,7 +4371,7 @@
             </a:pPr>
             <a:fld id="{F00A4505-FFFF-4242-BC45-A2F4E67EA977}" type="datetime1">
               <a:rPr lang="ru-RU" smtClean="0"/>
-              <a:t>25.02.2022</a:t>
+              <a:t>28.02.2022</a:t>
             </a:fld>
             <a:endParaRPr lang="ru-RU"/>
           </a:p>
@@ -5243,6 +5332,233 @@
 </p:sld>
 </file>
 
+<file path=ppt/slides/slide10.xml><?xml version="1.0" encoding="utf-8"?>
+<p:sld xmlns:a="http://schemas.openxmlformats.org/drawingml/2006/main" xmlns:r="http://schemas.openxmlformats.org/officeDocument/2006/relationships" xmlns:p="http://schemas.openxmlformats.org/presentationml/2006/main">
+  <p:cSld>
+    <p:bg>
+      <p:bgPr>
+        <a:blipFill dpi="0" rotWithShape="1">
+          <a:blip r:embed="rId3">
+            <a:lum/>
+          </a:blip>
+          <a:srcRect/>
+          <a:stretch>
+            <a:fillRect/>
+          </a:stretch>
+        </a:blipFill>
+        <a:effectLst/>
+      </p:bgPr>
+    </p:bg>
+    <p:spTree>
+      <p:nvGrpSpPr>
+        <p:cNvPr id="1" name=""/>
+        <p:cNvGrpSpPr/>
+        <p:nvPr/>
+      </p:nvGrpSpPr>
+      <p:grpSpPr>
+        <a:xfrm>
+          <a:off x="0" y="0"/>
+          <a:ext cx="0" cy="0"/>
+          <a:chOff x="0" y="0"/>
+          <a:chExt cx="0" cy="0"/>
+        </a:xfrm>
+      </p:grpSpPr>
+      <p:sp>
+        <p:nvSpPr>
+          <p:cNvPr id="3" name="TextBox 2">
+            <a:extLst>
+              <a:ext uri="{FF2B5EF4-FFF2-40B4-BE49-F238E27FC236}">
+                <a16:creationId xmlns:a16="http://schemas.microsoft.com/office/drawing/2014/main" id="{43C9779C-7347-48B2-AE25-145C531B394D}"/>
+              </a:ext>
+            </a:extLst>
+          </p:cNvPr>
+          <p:cNvSpPr txBox="1"/>
+          <p:nvPr/>
+        </p:nvSpPr>
+        <p:spPr>
+          <a:xfrm>
+            <a:off x="839416" y="2636912"/>
+            <a:ext cx="10585176" cy="981487"/>
+          </a:xfrm>
+          <a:prstGeom prst="rect">
+            <a:avLst/>
+          </a:prstGeom>
+          <a:noFill/>
+        </p:spPr>
+        <p:txBody>
+          <a:bodyPr wrap="square">
+            <a:spAutoFit/>
+          </a:bodyPr>
+          <a:lstStyle/>
+          <a:p>
+            <a:pPr>
+              <a:lnSpc>
+                <a:spcPct val="150000"/>
+              </a:lnSpc>
+              <a:spcAft>
+                <a:spcPts val="800"/>
+              </a:spcAft>
+            </a:pPr>
+            <a:r>
+              <a:rPr lang="en-US" sz="1800" dirty="0">
+                <a:effectLst/>
+                <a:latin typeface="Calibri" panose="020F0502020204030204" pitchFamily="34" charset="0"/>
+                <a:ea typeface="Calibri" panose="020F0502020204030204" pitchFamily="34" charset="0"/>
+                <a:cs typeface="Times New Roman" panose="02020603050405020304" pitchFamily="18" charset="0"/>
+              </a:rPr>
+              <a:t>Python</a:t>
+            </a:r>
+            <a:r>
+              <a:rPr lang="ru-RU" sz="1800" dirty="0">
+                <a:effectLst/>
+                <a:latin typeface="Calibri" panose="020F0502020204030204" pitchFamily="34" charset="0"/>
+                <a:ea typeface="Calibri" panose="020F0502020204030204" pitchFamily="34" charset="0"/>
+                <a:cs typeface="Times New Roman" panose="02020603050405020304" pitchFamily="18" charset="0"/>
+              </a:rPr>
+              <a:t>. </a:t>
+            </a:r>
+            <a:r>
+              <a:rPr lang="en-US" sz="1800" dirty="0">
+                <a:effectLst/>
+                <a:latin typeface="Calibri" panose="020F0502020204030204" pitchFamily="34" charset="0"/>
+                <a:ea typeface="Calibri" panose="020F0502020204030204" pitchFamily="34" charset="0"/>
+                <a:cs typeface="Times New Roman" panose="02020603050405020304" pitchFamily="18" charset="0"/>
+              </a:rPr>
+              <a:t>PyQt5: </a:t>
+            </a:r>
+            <a:r>
+              <a:rPr lang="en-US" sz="1800" u="sng" dirty="0">
+                <a:solidFill>
+                  <a:srgbClr val="0563C1"/>
+                </a:solidFill>
+                <a:effectLst/>
+                <a:latin typeface="Calibri" panose="020F0502020204030204" pitchFamily="34" charset="0"/>
+                <a:ea typeface="Calibri" panose="020F0502020204030204" pitchFamily="34" charset="0"/>
+                <a:cs typeface="Times New Roman" panose="02020603050405020304" pitchFamily="18" charset="0"/>
+                <a:hlinkClick r:id="rId4"/>
+              </a:rPr>
+              <a:t>Qt for Python — Qt for Python</a:t>
+            </a:r>
+            <a:r>
+              <a:rPr lang="en-US" sz="1800" u="sng" dirty="0">
+                <a:solidFill>
+                  <a:srgbClr val="0563C1"/>
+                </a:solidFill>
+                <a:effectLst/>
+                <a:latin typeface="Calibri" panose="020F0502020204030204" pitchFamily="34" charset="0"/>
+                <a:ea typeface="Calibri" panose="020F0502020204030204" pitchFamily="34" charset="0"/>
+                <a:cs typeface="Times New Roman" panose="02020603050405020304" pitchFamily="18" charset="0"/>
+              </a:rPr>
+              <a:t> </a:t>
+            </a:r>
+            <a:endParaRPr lang="ru-RU" sz="1800" dirty="0">
+              <a:effectLst/>
+              <a:latin typeface="Calibri" panose="020F0502020204030204" pitchFamily="34" charset="0"/>
+              <a:ea typeface="Calibri" panose="020F0502020204030204" pitchFamily="34" charset="0"/>
+              <a:cs typeface="Times New Roman" panose="02020603050405020304" pitchFamily="18" charset="0"/>
+            </a:endParaRPr>
+          </a:p>
+          <a:p>
+            <a:pPr>
+              <a:lnSpc>
+                <a:spcPct val="150000"/>
+              </a:lnSpc>
+              <a:spcAft>
+                <a:spcPts val="800"/>
+              </a:spcAft>
+            </a:pPr>
+            <a:r>
+              <a:rPr lang="en-US" sz="1800" dirty="0">
+                <a:effectLst/>
+                <a:latin typeface="Times New Roman" panose="02020603050405020304" pitchFamily="18" charset="0"/>
+                <a:ea typeface="Calibri" panose="020F0502020204030204" pitchFamily="34" charset="0"/>
+                <a:cs typeface="Times New Roman" panose="02020603050405020304" pitchFamily="18" charset="0"/>
+              </a:rPr>
+              <a:t>Python. Documentation: </a:t>
+            </a:r>
+            <a:r>
+              <a:rPr lang="en-US" sz="1800" u="sng" dirty="0">
+                <a:solidFill>
+                  <a:srgbClr val="0563C1"/>
+                </a:solidFill>
+                <a:effectLst/>
+                <a:latin typeface="Calibri" panose="020F0502020204030204" pitchFamily="34" charset="0"/>
+                <a:ea typeface="Calibri" panose="020F0502020204030204" pitchFamily="34" charset="0"/>
+                <a:cs typeface="Times New Roman" panose="02020603050405020304" pitchFamily="18" charset="0"/>
+                <a:hlinkClick r:id="rId5"/>
+              </a:rPr>
+              <a:t>Our Documentation | Python.org</a:t>
+            </a:r>
+            <a:endParaRPr lang="ru-RU" sz="1800" dirty="0">
+              <a:effectLst/>
+              <a:latin typeface="Calibri" panose="020F0502020204030204" pitchFamily="34" charset="0"/>
+              <a:ea typeface="Calibri" panose="020F0502020204030204" pitchFamily="34" charset="0"/>
+              <a:cs typeface="Times New Roman" panose="02020603050405020304" pitchFamily="18" charset="0"/>
+            </a:endParaRPr>
+          </a:p>
+        </p:txBody>
+      </p:sp>
+      <p:sp>
+        <p:nvSpPr>
+          <p:cNvPr id="5" name="TextBox 4">
+            <a:extLst>
+              <a:ext uri="{FF2B5EF4-FFF2-40B4-BE49-F238E27FC236}">
+                <a16:creationId xmlns:a16="http://schemas.microsoft.com/office/drawing/2014/main" id="{27197A74-79E1-431B-B526-4089707BF39C}"/>
+              </a:ext>
+            </a:extLst>
+          </p:cNvPr>
+          <p:cNvSpPr txBox="1"/>
+          <p:nvPr/>
+        </p:nvSpPr>
+        <p:spPr>
+          <a:xfrm>
+            <a:off x="1847528" y="305762"/>
+            <a:ext cx="7848872" cy="646331"/>
+          </a:xfrm>
+          <a:prstGeom prst="rect">
+            <a:avLst/>
+          </a:prstGeom>
+          <a:noFill/>
+        </p:spPr>
+        <p:txBody>
+          <a:bodyPr wrap="square">
+            <a:spAutoFit/>
+          </a:bodyPr>
+          <a:lstStyle/>
+          <a:p>
+            <a:r>
+              <a:rPr lang="ru-RU" sz="3600" b="1" cap="small" dirty="0">
+                <a:solidFill>
+                  <a:srgbClr val="F05423"/>
+                </a:solidFill>
+                <a:latin typeface="+mj-lt"/>
+                <a:cs typeface="Times New Roman" panose="02020603050405020304" pitchFamily="18" charset="0"/>
+              </a:rPr>
+              <a:t>Список использованной литературы</a:t>
+            </a:r>
+            <a:endParaRPr lang="ru-RU" sz="3600" dirty="0">
+              <a:solidFill>
+                <a:srgbClr val="F05423"/>
+              </a:solidFill>
+              <a:latin typeface="+mj-lt"/>
+              <a:cs typeface="Times New Roman" panose="02020603050405020304" pitchFamily="18" charset="0"/>
+            </a:endParaRPr>
+          </a:p>
+        </p:txBody>
+      </p:sp>
+    </p:spTree>
+    <p:extLst>
+      <p:ext uri="{BB962C8B-B14F-4D97-AF65-F5344CB8AC3E}">
+        <p14:creationId xmlns:p14="http://schemas.microsoft.com/office/powerpoint/2010/main" val="1684816604"/>
+      </p:ext>
+    </p:extLst>
+  </p:cSld>
+  <p:clrMapOvr>
+    <a:masterClrMapping/>
+  </p:clrMapOvr>
+</p:sld>
+</file>
+
 <file path=ppt/slides/slide2.xml><?xml version="1.0" encoding="utf-8"?>
 <p:sld xmlns:a="http://schemas.openxmlformats.org/drawingml/2006/main" xmlns:r="http://schemas.openxmlformats.org/officeDocument/2006/relationships" xmlns:p="http://schemas.openxmlformats.org/presentationml/2006/main">
   <p:cSld>
@@ -6657,7 +6973,7 @@
         <p:spPr>
           <a:xfrm>
             <a:off x="767408" y="2204864"/>
-            <a:ext cx="9793088" cy="1318181"/>
+            <a:ext cx="10441160" cy="1964512"/>
           </a:xfrm>
           <a:prstGeom prst="rect">
             <a:avLst/>
@@ -6686,14 +7002,57 @@
               <a:t>Демонстрацию работы данной программы можно посмотреть по данной ссылке: </a:t>
             </a:r>
             <a:r>
-              <a:rPr lang="en-US" sz="2800">
+              <a:rPr lang="en-US" sz="2800" dirty="0">
                 <a:solidFill>
                   <a:srgbClr val="001949"/>
                 </a:solidFill>
                 <a:latin typeface="+mn-lt"/>
                 <a:cs typeface="Times New Roman" panose="02020603050405020304" pitchFamily="18" charset="0"/>
+                <a:hlinkClick r:id="rId4"/>
               </a:rPr>
               <a:t>https://youtu.be/m4BwDAUP7os</a:t>
+            </a:r>
+            <a:endParaRPr lang="ru-RU" sz="2800" dirty="0">
+              <a:solidFill>
+                <a:srgbClr val="001949"/>
+              </a:solidFill>
+              <a:latin typeface="+mn-lt"/>
+              <a:cs typeface="Times New Roman" panose="02020603050405020304" pitchFamily="18" charset="0"/>
+            </a:endParaRPr>
+          </a:p>
+          <a:p>
+            <a:pPr>
+              <a:lnSpc>
+                <a:spcPct val="150000"/>
+              </a:lnSpc>
+            </a:pPr>
+            <a:r>
+              <a:rPr lang="ru-RU" sz="2800" dirty="0">
+                <a:solidFill>
+                  <a:srgbClr val="001949"/>
+                </a:solidFill>
+                <a:latin typeface="+mn-lt"/>
+                <a:cs typeface="Times New Roman" panose="02020603050405020304" pitchFamily="18" charset="0"/>
+              </a:rPr>
+              <a:t>Ссылка на проект</a:t>
+            </a:r>
+            <a:r>
+              <a:rPr lang="en-US" sz="2800" dirty="0">
+                <a:solidFill>
+                  <a:srgbClr val="001949"/>
+                </a:solidFill>
+                <a:latin typeface="+mn-lt"/>
+                <a:cs typeface="Times New Roman" panose="02020603050405020304" pitchFamily="18" charset="0"/>
+              </a:rPr>
+              <a:t>: </a:t>
+            </a:r>
+            <a:r>
+              <a:rPr lang="en-US" sz="2800" b="0" i="0" u="none" strike="noStrike" dirty="0">
+                <a:effectLst/>
+                <a:latin typeface="Whitney"/>
+                <a:hlinkClick r:id="rId5" tooltip="https://github.com/saaasssska/helper_by_school"/>
+              </a:rPr>
+              <a:t>https://github.com/saaasssska/helper_by_school</a:t>
             </a:r>
             <a:endParaRPr lang="ru-RU" sz="2800" dirty="0">
               <a:solidFill>

--- a/Documentation/10-_22.02._._.pptx
+++ b/Documentation/10-_22.02._._.pptx
@@ -7010,7 +7010,7 @@
                 <a:cs typeface="Times New Roman" panose="02020603050405020304" pitchFamily="18" charset="0"/>
                 <a:hlinkClick r:id="rId4"/>
               </a:rPr>
-              <a:t>https://youtu.be/m4BwDAUP7os</a:t>
+              <a:t>https://youtu.be/GDeq_wTa27c</a:t>
             </a:r>
             <a:endParaRPr lang="ru-RU" sz="2800" dirty="0">
               <a:solidFill>
